--- a/s8/Health Informatics/2nd assignment/ΠΥ-2η-εργασία-iis21027_Ευστάθιος_Ιωσηφίδης.pptx
+++ b/s8/Health Informatics/2nd assignment/ΠΥ-2η-εργασία-iis21027_Ευστάθιος_Ιωσηφίδης.pptx
@@ -15011,8 +15011,8 @@
         </p:nvSpPr>
         <p:spPr bwMode="auto">
           <a:xfrm>
-            <a:off x="288264" y="148578"/>
-            <a:ext cx="9630460" cy="811517"/>
+            <a:off x="288263" y="148577"/>
+            <a:ext cx="9631899" cy="706529"/>
           </a:xfrm>
           <a:prstGeom prst="rect">
             <a:avLst/>
@@ -15047,7 +15047,7 @@
                 <a:ea typeface="Helvetica Neue"/>
                 <a:cs typeface="Helvetica Neue"/>
               </a:rPr>
-              <a:t>350+“GNU”Healthεγκαταστάσεις σε εθνικό επίπεδο</a:t>
+              <a:t>350+ GNUHealth εγκαταστάσεις σε εθνικό επίπεδο</a:t>
             </a:r>
             <a:endParaRPr sz="2800">
               <a:latin typeface="Helvetica Neue"/>
